--- a/slides/week2.pptx
+++ b/slides/week2.pptx
@@ -5,10 +5,10 @@
     <p:sldMasterId id="2147483648" r:id="rId1"/>
   </p:sldMasterIdLst>
   <p:notesMasterIdLst>
-    <p:notesMasterId r:id="rId17"/>
+    <p:notesMasterId r:id="rId13"/>
   </p:notesMasterIdLst>
   <p:handoutMasterIdLst>
-    <p:handoutMasterId r:id="rId18"/>
+    <p:handoutMasterId r:id="rId14"/>
   </p:handoutMasterIdLst>
   <p:sldIdLst>
     <p:sldId id="262" r:id="rId2"/>
@@ -22,10 +22,6 @@
     <p:sldId id="283" r:id="rId10"/>
     <p:sldId id="285" r:id="rId11"/>
     <p:sldId id="287" r:id="rId12"/>
-    <p:sldId id="289" r:id="rId13"/>
-    <p:sldId id="292" r:id="rId14"/>
-    <p:sldId id="288" r:id="rId15"/>
-    <p:sldId id="293" r:id="rId16"/>
   </p:sldIdLst>
   <p:sldSz cx="9144000" cy="6858000" type="screen4x3"/>
   <p:notesSz cx="6858000" cy="9144000"/>
@@ -210,7 +206,7 @@
             <a:fld id="{43DBBD18-6C88-F045-A73C-EAB7098132B3}" type="datetime1">
               <a:rPr lang="en-US" smtClean="0"/>
               <a:pPr/>
-              <a:t>1/10/11</a:t>
+              <a:t>1/26/11</a:t>
             </a:fld>
             <a:endParaRPr lang="en-US"/>
           </a:p>
@@ -373,7 +369,7 @@
             <a:fld id="{EAEF232E-3F8A-2D4B-A08F-882F821D32B7}" type="datetime1">
               <a:rPr lang="en-US" smtClean="0"/>
               <a:pPr/>
-              <a:t>1/10/11</a:t>
+              <a:t>1/26/11</a:t>
             </a:fld>
             <a:endParaRPr lang="en-US"/>
           </a:p>
@@ -3532,19 +3528,7 @@
             </a:r>
             <a:r>
               <a:rPr lang="en-US" sz="1000" baseline="0" dirty="0" smtClean="0"/>
-              <a:t> 594CM </a:t>
-            </a:r>
-            <a:r>
-              <a:rPr lang="en-US" sz="1000" baseline="0" dirty="0" smtClean="0"/>
-              <a:t>_</a:t>
-            </a:r>
-            <a:r>
-              <a:rPr lang="en-US" sz="1000" baseline="0" dirty="0" smtClean="0"/>
-              <a:t> Winter 2011 </a:t>
-            </a:r>
-            <a:r>
-              <a:rPr lang="en-US" sz="1000" baseline="0" dirty="0" smtClean="0"/>
-              <a:t>_ Angus Forbes</a:t>
+              <a:t> 594CM _ Winter 2011 _ Angus Forbes</a:t>
             </a:r>
             <a:endParaRPr lang="en-US" sz="1000" dirty="0"/>
           </a:p>
@@ -3880,11 +3864,7 @@
           <a:p>
             <a:r>
               <a:rPr lang="en-US" dirty="0" smtClean="0"/>
-              <a:t>&gt;</a:t>
-            </a:r>
-            <a:r>
-              <a:rPr lang="en-US" dirty="0" smtClean="0"/>
-              <a:t> Check your </a:t>
+              <a:t>&gt; Check your </a:t>
             </a:r>
             <a:r>
               <a:rPr lang="en-US" dirty="0" err="1" smtClean="0"/>
@@ -3901,27 +3881,7 @@
           <a:p>
             <a:r>
               <a:rPr lang="en-US" dirty="0" smtClean="0"/>
-              <a:t>&gt;</a:t>
-            </a:r>
-            <a:r>
-              <a:rPr lang="en-US" dirty="0" smtClean="0"/>
-              <a:t> Overview of </a:t>
-            </a:r>
-            <a:r>
-              <a:rPr lang="en-US" dirty="0" smtClean="0"/>
-              <a:t>r</a:t>
-            </a:r>
-            <a:r>
-              <a:rPr lang="en-US" dirty="0" smtClean="0"/>
-              <a:t>endering </a:t>
-            </a:r>
-            <a:r>
-              <a:rPr lang="en-US" dirty="0" smtClean="0"/>
-              <a:t>p</a:t>
-            </a:r>
-            <a:r>
-              <a:rPr lang="en-US" dirty="0" smtClean="0"/>
-              <a:t>ipeline</a:t>
+              <a:t>&gt; Overview of rendering pipeline</a:t>
             </a:r>
           </a:p>
           <a:p>
@@ -3939,11 +3899,7 @@
           <a:p>
             <a:r>
               <a:rPr lang="en-US" dirty="0" smtClean="0"/>
-              <a:t>&gt; </a:t>
-            </a:r>
-            <a:r>
-              <a:rPr lang="en-US" dirty="0" smtClean="0"/>
-              <a:t>Image Loaders</a:t>
+              <a:t>&gt; Image Loaders</a:t>
             </a:r>
           </a:p>
           <a:p>
@@ -3973,31 +3929,10 @@
             </a:r>
           </a:p>
           <a:p>
-            <a:endParaRPr lang="en-US" dirty="0" smtClean="0"/>
-          </a:p>
-          <a:p>
-            <a:r>
-              <a:rPr lang="en-US" dirty="0" smtClean="0"/>
-              <a:t>&gt; Vertex Arrays</a:t>
-            </a:r>
-          </a:p>
-          <a:p>
-            <a:endParaRPr lang="en-US" dirty="0" smtClean="0"/>
-          </a:p>
-          <a:p>
-            <a:r>
-              <a:rPr lang="en-US" dirty="0" smtClean="0"/>
-              <a:t>&gt; Basic Camera </a:t>
-            </a:r>
-          </a:p>
-          <a:p>
-            <a:endParaRPr lang="en-US" dirty="0" smtClean="0"/>
-          </a:p>
-          <a:p>
-            <a:r>
-              <a:rPr lang="en-US" dirty="0" smtClean="0"/>
-              <a:t>&gt; Blending</a:t>
-            </a:r>
+            <a:endParaRPr lang="en-US" smtClean="0"/>
+          </a:p>
+          <a:p>
+            <a:endParaRPr lang="en-US" smtClean="0"/>
           </a:p>
           <a:p>
             <a:endParaRPr lang="en-US" dirty="0" smtClean="0"/>
@@ -4200,15 +4135,7 @@
           <a:p>
             <a:r>
               <a:rPr lang="en-US" dirty="0" err="1" smtClean="0"/>
-              <a:t>gluSphere</a:t>
-            </a:r>
-            <a:r>
-              <a:rPr lang="en-US" dirty="0" err="1" smtClean="0"/>
-              <a:t>(</a:t>
-            </a:r>
-            <a:r>
-              <a:rPr lang="en-US" dirty="0" err="1" smtClean="0"/>
-              <a:t>qObj</a:t>
+              <a:t>gluSphere(qObj</a:t>
             </a:r>
             <a:r>
               <a:rPr lang="en-US" dirty="0" smtClean="0"/>
@@ -4248,6 +4175,13 @@
   <p:clrMapOvr>
     <a:masterClrMapping/>
   </p:clrMapOvr>
+  <p:timing>
+    <p:tnLst>
+      <p:par>
+        <p:cTn id="1" dur="indefinite" restart="never" nodeType="tmRoot"/>
+      </p:par>
+    </p:tnLst>
+  </p:timing>
 </p:sld>
 </file>
 
@@ -4320,11 +4254,7 @@
           <a:p>
             <a:r>
               <a:rPr lang="en-US" dirty="0" smtClean="0"/>
-              <a:t>T</a:t>
-            </a:r>
-            <a:r>
-              <a:rPr lang="en-US" dirty="0" smtClean="0"/>
-              <a:t>he simplest .OBJ files store your mesh as a set of vertices, </a:t>
+              <a:t>The simplest .OBJ files store your mesh as a set of vertices, </a:t>
             </a:r>
             <a:r>
               <a:rPr lang="en-US" dirty="0" err="1" smtClean="0"/>
@@ -4361,938 +4291,13 @@
   <p:clrMapOvr>
     <a:masterClrMapping/>
   </p:clrMapOvr>
-</p:sld>
-</file>
-
-<file path=ppt/slides/slide12.xml><?xml version="1.0" encoding="utf-8"?>
-<p:sld xmlns:a="http://schemas.openxmlformats.org/drawingml/2006/main" xmlns:r="http://schemas.openxmlformats.org/officeDocument/2006/relationships" xmlns:mc="http://schemas.openxmlformats.org/markup-compatibility/2006" xmlns:mv="urn:schemas-microsoft-com:mac:vml" xmlns:p="http://schemas.openxmlformats.org/presentationml/2006/main" mc:Ignorable="mv" mc:PreserveAttributes="mv:*">
-  <p:cSld>
-    <p:spTree>
-      <p:nvGrpSpPr>
-        <p:cNvPr id="1" name=""/>
-        <p:cNvGrpSpPr/>
-        <p:nvPr/>
-      </p:nvGrpSpPr>
-      <p:grpSpPr>
-        <a:xfrm>
-          <a:off x="0" y="0"/>
-          <a:ext cx="0" cy="0"/>
-          <a:chOff x="0" y="0"/>
-          <a:chExt cx="0" cy="0"/>
-        </a:xfrm>
-      </p:grpSpPr>
-      <p:sp>
-        <p:nvSpPr>
-          <p:cNvPr id="2" name="Title 1"/>
-          <p:cNvSpPr>
-            <a:spLocks noGrp="1"/>
-          </p:cNvSpPr>
-          <p:nvPr>
-            <p:ph type="title"/>
-          </p:nvPr>
-        </p:nvSpPr>
-        <p:spPr/>
-        <p:txBody>
-          <a:bodyPr/>
-          <a:lstStyle/>
-          <a:p>
-            <a:r>
-              <a:rPr lang="en-US" dirty="0" smtClean="0"/>
-              <a:t>Vertex Arrays</a:t>
-            </a:r>
-            <a:endParaRPr lang="en-US" dirty="0"/>
-          </a:p>
-        </p:txBody>
-      </p:sp>
-      <p:sp>
-        <p:nvSpPr>
-          <p:cNvPr id="3" name="Content Placeholder 2"/>
-          <p:cNvSpPr>
-            <a:spLocks noGrp="1"/>
-          </p:cNvSpPr>
-          <p:nvPr>
-            <p:ph idx="1"/>
-          </p:nvPr>
-        </p:nvSpPr>
-        <p:spPr/>
-        <p:txBody>
-          <a:bodyPr/>
-          <a:lstStyle/>
-          <a:p>
-            <a:endParaRPr lang="en-US" dirty="0" smtClean="0"/>
-          </a:p>
-          <a:p>
-            <a:r>
-              <a:rPr lang="en-US" dirty="0" smtClean="0"/>
-              <a:t>Vertex Array are generally much faster than immediate mode. Newer version of OpenGL do *not* support immediate mode at all.</a:t>
-            </a:r>
-          </a:p>
-          <a:p>
-            <a:endParaRPr lang="en-US" dirty="0" smtClean="0"/>
-          </a:p>
-          <a:p>
-            <a:r>
-              <a:rPr lang="en-US" dirty="0" smtClean="0"/>
-              <a:t>The idea is that you send a chunk of buffered data all at once, rather than a single vertex (i.e. immediately) one at a time. Since the throughput from the CPU to the GPU can be the bottleneck if you have a lot of polygons to render, this can increase the </a:t>
-            </a:r>
-            <a:r>
-              <a:rPr lang="en-US" dirty="0" err="1" smtClean="0"/>
-              <a:t>framerate</a:t>
-            </a:r>
-            <a:r>
-              <a:rPr lang="en-US" dirty="0" smtClean="0"/>
-              <a:t> of your program. </a:t>
-            </a:r>
-          </a:p>
-          <a:p>
-            <a:endParaRPr lang="en-US" dirty="0" smtClean="0"/>
-          </a:p>
-          <a:p>
-            <a:r>
-              <a:rPr lang="en-US" dirty="0" smtClean="0"/>
-              <a:t>init:</a:t>
-            </a:r>
-          </a:p>
-          <a:p>
-            <a:r>
-              <a:rPr lang="en-US" dirty="0" smtClean="0"/>
-              <a:t>1. Set up your arrays (or a space in memory to hold your arrays).</a:t>
-            </a:r>
-          </a:p>
-          <a:p>
-            <a:r>
-              <a:rPr lang="en-US" dirty="0" smtClean="0"/>
-              <a:t>in render loop:</a:t>
-            </a:r>
-          </a:p>
-          <a:p>
-            <a:r>
-              <a:rPr lang="en-US" dirty="0" smtClean="0"/>
-              <a:t>2. Initialize or update the arrays with the vertex information, if necessary</a:t>
-            </a:r>
-          </a:p>
-          <a:p>
-            <a:r>
-              <a:rPr lang="en-US" dirty="0" smtClean="0"/>
-              <a:t>3. Enable vertex arrays for colors, </a:t>
-            </a:r>
-            <a:r>
-              <a:rPr lang="en-US" dirty="0" err="1" smtClean="0"/>
-              <a:t>normals</a:t>
-            </a:r>
-            <a:r>
-              <a:rPr lang="en-US" dirty="0" smtClean="0"/>
-              <a:t>, texture </a:t>
-            </a:r>
-            <a:r>
-              <a:rPr lang="en-US" dirty="0" err="1" smtClean="0"/>
-              <a:t>coords</a:t>
-            </a:r>
-            <a:r>
-              <a:rPr lang="en-US" dirty="0" smtClean="0"/>
-              <a:t>, and vertices, as needed</a:t>
-            </a:r>
-          </a:p>
-          <a:p>
-            <a:r>
-              <a:rPr lang="en-US" dirty="0" smtClean="0"/>
-              <a:t>4. Define a pointer and offset into each of the arrays, along with the appropriate "stride"</a:t>
-            </a:r>
-          </a:p>
-          <a:p>
-            <a:r>
-              <a:rPr lang="en-US" dirty="0" smtClean="0"/>
-              <a:t>5. Pass the arrays to the GPU</a:t>
-            </a:r>
-          </a:p>
-          <a:p>
-            <a:r>
-              <a:rPr lang="en-US" dirty="0" smtClean="0"/>
-              <a:t>6. Disable the vertex arrays</a:t>
-            </a:r>
-          </a:p>
-          <a:p>
-            <a:endParaRPr lang="en-US" dirty="0" smtClean="0"/>
-          </a:p>
-          <a:p>
-            <a:r>
-              <a:rPr lang="en-US" dirty="0" smtClean="0"/>
-              <a:t>I'll probably alternate between immediate mode and vertex arrays throughout the class. Newer versions of OpenGL also support </a:t>
-            </a:r>
-            <a:r>
-              <a:rPr lang="en-US" dirty="0" smtClean="0"/>
-              <a:t>v</a:t>
-            </a:r>
-            <a:r>
-              <a:rPr lang="en-US" dirty="0" smtClean="0"/>
-              <a:t>ertex buffer objects (</a:t>
-            </a:r>
-            <a:r>
-              <a:rPr lang="en-US" dirty="0" err="1" smtClean="0"/>
-              <a:t>VBOs</a:t>
-            </a:r>
-            <a:r>
-              <a:rPr lang="en-US" dirty="0" smtClean="0"/>
-              <a:t>) and vertex array objects (</a:t>
-            </a:r>
-            <a:r>
-              <a:rPr lang="en-US" dirty="0" err="1" smtClean="0"/>
-              <a:t>VAOs</a:t>
-            </a:r>
-            <a:r>
-              <a:rPr lang="en-US" dirty="0" smtClean="0"/>
-              <a:t>).</a:t>
-            </a:r>
-          </a:p>
-          <a:p>
-            <a:endParaRPr lang="en-US" dirty="0" smtClean="0"/>
-          </a:p>
-          <a:p>
-            <a:endParaRPr lang="en-US" dirty="0" smtClean="0"/>
-          </a:p>
-          <a:p>
-            <a:endParaRPr lang="en-US" dirty="0" smtClean="0"/>
-          </a:p>
-          <a:p>
-            <a:endParaRPr lang="en-US" dirty="0"/>
-          </a:p>
-        </p:txBody>
-      </p:sp>
-    </p:spTree>
-  </p:cSld>
-  <p:clrMapOvr>
-    <a:masterClrMapping/>
-  </p:clrMapOvr>
-</p:sld>
-</file>
-
-<file path=ppt/slides/slide13.xml><?xml version="1.0" encoding="utf-8"?>
-<p:sld xmlns:a="http://schemas.openxmlformats.org/drawingml/2006/main" xmlns:r="http://schemas.openxmlformats.org/officeDocument/2006/relationships" xmlns:mc="http://schemas.openxmlformats.org/markup-compatibility/2006" xmlns:mv="urn:schemas-microsoft-com:mac:vml" xmlns:p="http://schemas.openxmlformats.org/presentationml/2006/main" mc:Ignorable="mv" mc:PreserveAttributes="mv:*">
-  <p:cSld>
-    <p:spTree>
-      <p:nvGrpSpPr>
-        <p:cNvPr id="1" name=""/>
-        <p:cNvGrpSpPr/>
-        <p:nvPr/>
-      </p:nvGrpSpPr>
-      <p:grpSpPr>
-        <a:xfrm>
-          <a:off x="0" y="0"/>
-          <a:ext cx="0" cy="0"/>
-          <a:chOff x="0" y="0"/>
-          <a:chExt cx="0" cy="0"/>
-        </a:xfrm>
-      </p:grpSpPr>
-      <p:sp>
-        <p:nvSpPr>
-          <p:cNvPr id="2" name="Title 1"/>
-          <p:cNvSpPr>
-            <a:spLocks noGrp="1"/>
-          </p:cNvSpPr>
-          <p:nvPr>
-            <p:ph type="title"/>
-          </p:nvPr>
-        </p:nvSpPr>
-        <p:spPr/>
-        <p:txBody>
-          <a:bodyPr/>
-          <a:lstStyle/>
-          <a:p>
-            <a:r>
-              <a:rPr lang="en-US" dirty="0" smtClean="0"/>
-              <a:t>Vertex Arrays - simple 1 triangle example</a:t>
-            </a:r>
-            <a:endParaRPr lang="en-US" dirty="0"/>
-          </a:p>
-        </p:txBody>
-      </p:sp>
-      <p:sp>
-        <p:nvSpPr>
-          <p:cNvPr id="3" name="Content Placeholder 2"/>
-          <p:cNvSpPr>
-            <a:spLocks noGrp="1"/>
-          </p:cNvSpPr>
-          <p:nvPr>
-            <p:ph idx="1"/>
-          </p:nvPr>
-        </p:nvSpPr>
-        <p:spPr>
-          <a:xfrm>
-            <a:off x="100923" y="672869"/>
-            <a:ext cx="8940052" cy="5803865"/>
-          </a:xfrm>
-        </p:spPr>
-        <p:txBody>
-          <a:bodyPr>
-            <a:normAutofit/>
-          </a:bodyPr>
-          <a:lstStyle/>
-          <a:p>
-            <a:r>
-              <a:rPr lang="en-US" sz="1200" dirty="0" smtClean="0"/>
-              <a:t>//global data arrays</a:t>
-            </a:r>
-          </a:p>
-          <a:p>
-            <a:r>
-              <a:rPr lang="en-US" sz="1200" dirty="0" smtClean="0"/>
-              <a:t>float </a:t>
-            </a:r>
-            <a:r>
-              <a:rPr lang="en-US" sz="1200" dirty="0" err="1" smtClean="0"/>
-              <a:t>c</a:t>
-            </a:r>
-            <a:r>
-              <a:rPr lang="en-US" sz="1200" dirty="0" smtClean="0"/>
-              <a:t>[] = { 1.0, 0.0, 0.0, </a:t>
-            </a:r>
-            <a:r>
-              <a:rPr lang="en-US" sz="1200" dirty="0" smtClean="0"/>
-              <a:t>1.0,</a:t>
-            </a:r>
-            <a:r>
-              <a:rPr lang="en-US" sz="1200" dirty="0" smtClean="0"/>
-              <a:t>	</a:t>
-            </a:r>
-            <a:r>
-              <a:rPr lang="en-US" sz="1200" dirty="0" smtClean="0"/>
-              <a:t>0.0</a:t>
-            </a:r>
-            <a:r>
-              <a:rPr lang="en-US" sz="1200" dirty="0" smtClean="0"/>
-              <a:t>, 1.0, 0.0, 1.0, </a:t>
-            </a:r>
-            <a:r>
-              <a:rPr lang="en-US" sz="1200" dirty="0" smtClean="0"/>
-              <a:t> 	0.0</a:t>
-            </a:r>
-            <a:r>
-              <a:rPr lang="en-US" sz="1200" dirty="0" smtClean="0"/>
-              <a:t>, 0.0, 1.0, 1.0 };</a:t>
-            </a:r>
-          </a:p>
-          <a:p>
-            <a:r>
-              <a:rPr lang="en-US" sz="1200" dirty="0" smtClean="0"/>
-              <a:t>float </a:t>
-            </a:r>
-            <a:r>
-              <a:rPr lang="en-US" sz="1200" dirty="0" err="1" smtClean="0"/>
-              <a:t>t</a:t>
-            </a:r>
-            <a:r>
-              <a:rPr lang="en-US" sz="1200" dirty="0" smtClean="0"/>
-              <a:t>[] = { 0.0, </a:t>
-            </a:r>
-            <a:r>
-              <a:rPr lang="en-US" sz="1200" dirty="0" smtClean="0"/>
-              <a:t>0.0,    			1.0</a:t>
-            </a:r>
-            <a:r>
-              <a:rPr lang="en-US" sz="1200" dirty="0" smtClean="0"/>
-              <a:t>, 0.0</a:t>
-            </a:r>
-            <a:r>
-              <a:rPr lang="en-US" sz="1200" dirty="0" smtClean="0"/>
-              <a:t>,   		0.5</a:t>
-            </a:r>
-            <a:r>
-              <a:rPr lang="en-US" sz="1200" dirty="0" smtClean="0"/>
-              <a:t>, </a:t>
-            </a:r>
-            <a:r>
-              <a:rPr lang="en-US" sz="1200" dirty="0" smtClean="0"/>
-              <a:t>1.0 </a:t>
-            </a:r>
-            <a:r>
-              <a:rPr lang="en-US" sz="1200" dirty="0" smtClean="0"/>
-              <a:t>};</a:t>
-            </a:r>
-          </a:p>
-          <a:p>
-            <a:r>
-              <a:rPr lang="en-US" sz="1200" dirty="0" smtClean="0"/>
-              <a:t>float </a:t>
-            </a:r>
-            <a:r>
-              <a:rPr lang="en-US" sz="1200" dirty="0" err="1" smtClean="0"/>
-              <a:t>n</a:t>
-            </a:r>
-            <a:r>
-              <a:rPr lang="en-US" sz="1200" dirty="0" smtClean="0"/>
-              <a:t>[] = { 0.0, 0.0, 1.0,   </a:t>
-            </a:r>
-            <a:r>
-              <a:rPr lang="en-US" sz="1200" dirty="0" smtClean="0"/>
-              <a:t> 		0.0</a:t>
-            </a:r>
-            <a:r>
-              <a:rPr lang="en-US" sz="1200" dirty="0" smtClean="0"/>
-              <a:t>, 0.0, 1.0,  </a:t>
-            </a:r>
-            <a:r>
-              <a:rPr lang="en-US" sz="1200" dirty="0" smtClean="0"/>
-              <a:t> 	0.0</a:t>
-            </a:r>
-            <a:r>
-              <a:rPr lang="en-US" sz="1200" dirty="0" smtClean="0"/>
-              <a:t>, 0.0, 1.0 };</a:t>
-            </a:r>
-          </a:p>
-          <a:p>
-            <a:r>
-              <a:rPr lang="en-US" sz="1200" dirty="0" smtClean="0"/>
-              <a:t>float </a:t>
-            </a:r>
-            <a:r>
-              <a:rPr lang="en-US" sz="1200" dirty="0" err="1" smtClean="0"/>
-              <a:t>v</a:t>
-            </a:r>
-            <a:r>
-              <a:rPr lang="en-US" sz="1200" dirty="0" smtClean="0"/>
-              <a:t>[] = { -1.0, -1.0, 0.0,   </a:t>
-            </a:r>
-            <a:r>
-              <a:rPr lang="en-US" sz="1200" dirty="0" smtClean="0"/>
-              <a:t> 	1.0</a:t>
-            </a:r>
-            <a:r>
-              <a:rPr lang="en-US" sz="1200" dirty="0" smtClean="0"/>
-              <a:t>, 1.0, 0.0,  </a:t>
-            </a:r>
-            <a:r>
-              <a:rPr lang="en-US" sz="1200" dirty="0" smtClean="0"/>
-              <a:t> 	0.0</a:t>
-            </a:r>
-            <a:r>
-              <a:rPr lang="en-US" sz="1200" dirty="0" smtClean="0"/>
-              <a:t>, 1.0, 0.0 };</a:t>
-            </a:r>
-            <a:endParaRPr lang="en-US" sz="1200" dirty="0" smtClean="0"/>
-          </a:p>
-          <a:p>
-            <a:endParaRPr lang="en-US" sz="1200" dirty="0" smtClean="0"/>
-          </a:p>
-          <a:p>
-            <a:r>
-              <a:rPr lang="en-US" sz="1200" dirty="0" smtClean="0"/>
-              <a:t>//enable each type of array (the only one that is *required* is GL_VERTEX_ARRAY)</a:t>
-            </a:r>
-          </a:p>
-          <a:p>
-            <a:r>
-              <a:rPr lang="en-US" sz="1200" dirty="0" err="1" smtClean="0"/>
-              <a:t>glEnableClientState</a:t>
-            </a:r>
-            <a:r>
-              <a:rPr lang="en-US" sz="1200" dirty="0" err="1" smtClean="0"/>
-              <a:t>(GL_COLOR_ARRAY</a:t>
-            </a:r>
-            <a:r>
-              <a:rPr lang="en-US" sz="1200" dirty="0" smtClean="0"/>
-              <a:t>);</a:t>
-            </a:r>
-          </a:p>
-          <a:p>
-            <a:r>
-              <a:rPr lang="en-US" sz="1200" dirty="0" err="1" smtClean="0"/>
-              <a:t>glEnableClientState(GL_TEXTURE_COORD_ARRAY</a:t>
-            </a:r>
-            <a:r>
-              <a:rPr lang="en-US" sz="1200" dirty="0" smtClean="0"/>
-              <a:t>);</a:t>
-            </a:r>
-          </a:p>
-          <a:p>
-            <a:r>
-              <a:rPr lang="en-US" sz="1200" dirty="0" err="1" smtClean="0"/>
-              <a:t>glEnableClientState(GL_NORMAL_ARRAY</a:t>
-            </a:r>
-            <a:r>
-              <a:rPr lang="en-US" sz="1200" dirty="0" smtClean="0"/>
-              <a:t>);  </a:t>
-            </a:r>
-          </a:p>
-          <a:p>
-            <a:r>
-              <a:rPr lang="en-US" sz="1200" dirty="0" err="1" smtClean="0"/>
-              <a:t>glEnableClientState(GL_VERTEX_ARRAY</a:t>
-            </a:r>
-            <a:r>
-              <a:rPr lang="en-US" sz="1200" dirty="0" smtClean="0"/>
-              <a:t>);</a:t>
-            </a:r>
-            <a:endParaRPr lang="en-US" sz="1200" dirty="0" smtClean="0"/>
-          </a:p>
-          <a:p>
-            <a:endParaRPr lang="en-US" sz="1200" dirty="0" smtClean="0"/>
-          </a:p>
-          <a:p>
-            <a:r>
-              <a:rPr lang="en-US" sz="1200" dirty="0" smtClean="0"/>
-              <a:t>//point into the each of the enabled arrays</a:t>
-            </a:r>
-          </a:p>
-          <a:p>
-            <a:r>
-              <a:rPr lang="en-US" sz="1200" dirty="0" smtClean="0"/>
-              <a:t>glColorPointer</a:t>
-            </a:r>
-            <a:r>
-              <a:rPr lang="en-US" sz="1200" dirty="0" smtClean="0"/>
-              <a:t>(4, GL_FLOAT, 0, </a:t>
-            </a:r>
-            <a:r>
-              <a:rPr lang="en-US" sz="1200" dirty="0" err="1" smtClean="0"/>
-              <a:t>c</a:t>
-            </a:r>
-            <a:r>
-              <a:rPr lang="en-US" sz="1200" dirty="0" smtClean="0"/>
-              <a:t>); //4 because using RGBA</a:t>
-            </a:r>
-          </a:p>
-          <a:p>
-            <a:r>
-              <a:rPr lang="en-US" sz="1200" dirty="0" smtClean="0"/>
-              <a:t>glTexCoordPointer</a:t>
-            </a:r>
-            <a:r>
-              <a:rPr lang="en-US" sz="1200" dirty="0" smtClean="0"/>
-              <a:t>(2, </a:t>
-            </a:r>
-            <a:r>
-              <a:rPr lang="en-US" sz="1200" dirty="0" smtClean="0"/>
-              <a:t>GL_FLOAT, 0, </a:t>
-            </a:r>
-            <a:r>
-              <a:rPr lang="en-US" sz="1200" dirty="0" err="1" smtClean="0"/>
-              <a:t>t</a:t>
-            </a:r>
-            <a:r>
-              <a:rPr lang="en-US" sz="1200" dirty="0" smtClean="0"/>
-              <a:t>); //2 because using 2D texture</a:t>
-            </a:r>
-          </a:p>
-          <a:p>
-            <a:r>
-              <a:rPr lang="en-US" sz="1200" dirty="0" smtClean="0"/>
-              <a:t>glNormalPointer</a:t>
-            </a:r>
-            <a:r>
-              <a:rPr lang="en-US" sz="1200" dirty="0" smtClean="0"/>
-              <a:t>(3, GL_FLOAT, 0,</a:t>
-            </a:r>
-            <a:r>
-              <a:rPr lang="en-US" sz="1200" dirty="0" smtClean="0"/>
-              <a:t> </a:t>
-            </a:r>
-            <a:r>
-              <a:rPr lang="en-US" sz="1200" dirty="0" err="1" smtClean="0"/>
-              <a:t>n</a:t>
-            </a:r>
-            <a:r>
-              <a:rPr lang="en-US" sz="1200" dirty="0" smtClean="0"/>
-              <a:t>); //3 because using 3D normal vector</a:t>
-            </a:r>
-          </a:p>
-          <a:p>
-            <a:r>
-              <a:rPr lang="en-US" sz="1200" dirty="0" smtClean="0"/>
-              <a:t>glVertexPointer</a:t>
-            </a:r>
-            <a:r>
-              <a:rPr lang="en-US" sz="1200" dirty="0" smtClean="0"/>
-              <a:t>(3, GL_FLOAT, 0, </a:t>
-            </a:r>
-            <a:r>
-              <a:rPr lang="en-US" sz="1200" dirty="0" err="1" smtClean="0"/>
-              <a:t>v</a:t>
-            </a:r>
-            <a:r>
-              <a:rPr lang="en-US" sz="1200" dirty="0" smtClean="0"/>
-              <a:t>); </a:t>
-            </a:r>
-            <a:r>
-              <a:rPr lang="en-US" sz="1200" dirty="0" smtClean="0"/>
-              <a:t>/</a:t>
-            </a:r>
-            <a:r>
-              <a:rPr lang="en-US" sz="1200" dirty="0" smtClean="0"/>
-              <a:t>/3 because using </a:t>
-            </a:r>
-            <a:r>
-              <a:rPr lang="en-US" sz="1200" dirty="0" smtClean="0"/>
-              <a:t>3D</a:t>
-            </a:r>
-            <a:r>
-              <a:rPr lang="en-US" sz="1200" dirty="0" smtClean="0"/>
-              <a:t> points</a:t>
-            </a:r>
-          </a:p>
-          <a:p>
-            <a:endParaRPr lang="en-US" sz="1200" dirty="0" smtClean="0"/>
-          </a:p>
-          <a:p>
-            <a:r>
-              <a:rPr lang="en-US" sz="1200" dirty="0" smtClean="0"/>
-              <a:t>//send the data in one big chunk</a:t>
-            </a:r>
-          </a:p>
-          <a:p>
-            <a:r>
-              <a:rPr lang="en-US" sz="1200" dirty="0" err="1" smtClean="0"/>
-              <a:t>glDrawArrays(</a:t>
-            </a:r>
-            <a:r>
-              <a:rPr lang="en-US" sz="1200" dirty="0" err="1" smtClean="0"/>
-              <a:t>GL_TRIANGLES</a:t>
-            </a:r>
-            <a:r>
-              <a:rPr lang="en-US" sz="1200" dirty="0" smtClean="0"/>
-              <a:t>, 0, </a:t>
-            </a:r>
-            <a:r>
-              <a:rPr lang="en-US" sz="1200" dirty="0" smtClean="0"/>
-              <a:t>1); //type of primitive, offset, number of each primitive</a:t>
-            </a:r>
-          </a:p>
-          <a:p>
-            <a:endParaRPr lang="en-US" sz="1200" dirty="0" smtClean="0"/>
-          </a:p>
-          <a:p>
-            <a:r>
-              <a:rPr lang="en-US" sz="1200" dirty="0" smtClean="0"/>
-              <a:t>//disable each type of array  </a:t>
-            </a:r>
-            <a:endParaRPr lang="en-US" sz="1200" dirty="0" smtClean="0"/>
-          </a:p>
-          <a:p>
-            <a:r>
-              <a:rPr lang="en-US" sz="1200" dirty="0" err="1" smtClean="0"/>
-              <a:t>glDisableClientState(GL_COLOR_ARRAY</a:t>
-            </a:r>
-            <a:r>
-              <a:rPr lang="en-US" sz="1200" dirty="0" smtClean="0"/>
-              <a:t>);</a:t>
-            </a:r>
-          </a:p>
-          <a:p>
-            <a:r>
-              <a:rPr lang="en-US" sz="1200" dirty="0" err="1" smtClean="0"/>
-              <a:t>glDisableClientState(GL_TEXTURE_COORD_ARRAY</a:t>
-            </a:r>
-            <a:r>
-              <a:rPr lang="en-US" sz="1200" dirty="0" smtClean="0"/>
-              <a:t>);</a:t>
-            </a:r>
-          </a:p>
-          <a:p>
-            <a:r>
-              <a:rPr lang="en-US" sz="1200" dirty="0" err="1" smtClean="0"/>
-              <a:t>glDisableClientState(GL_NORMAL_ARRAY</a:t>
-            </a:r>
-            <a:r>
-              <a:rPr lang="en-US" sz="1200" dirty="0" smtClean="0"/>
-              <a:t>);</a:t>
-            </a:r>
-          </a:p>
-          <a:p>
-            <a:r>
-              <a:rPr lang="en-US" sz="1200" dirty="0" err="1" smtClean="0"/>
-              <a:t>glDisableClientState(GL_VERTEX_ARRAY</a:t>
-            </a:r>
-            <a:r>
-              <a:rPr lang="en-US" sz="1200" dirty="0" smtClean="0"/>
-              <a:t>);</a:t>
-            </a:r>
-          </a:p>
-          <a:p>
-            <a:endParaRPr lang="en-US" sz="1200" dirty="0"/>
-          </a:p>
-        </p:txBody>
-      </p:sp>
-    </p:spTree>
-  </p:cSld>
-  <p:clrMapOvr>
-    <a:masterClrMapping/>
-  </p:clrMapOvr>
-</p:sld>
-</file>
-
-<file path=ppt/slides/slide14.xml><?xml version="1.0" encoding="utf-8"?>
-<p:sld xmlns:a="http://schemas.openxmlformats.org/drawingml/2006/main" xmlns:r="http://schemas.openxmlformats.org/officeDocument/2006/relationships" xmlns:mc="http://schemas.openxmlformats.org/markup-compatibility/2006" xmlns:mv="urn:schemas-microsoft-com:mac:vml" xmlns:p="http://schemas.openxmlformats.org/presentationml/2006/main" mc:Ignorable="mv" mc:PreserveAttributes="mv:*">
-  <p:cSld>
-    <p:spTree>
-      <p:nvGrpSpPr>
-        <p:cNvPr id="1" name=""/>
-        <p:cNvGrpSpPr/>
-        <p:nvPr/>
-      </p:nvGrpSpPr>
-      <p:grpSpPr>
-        <a:xfrm>
-          <a:off x="0" y="0"/>
-          <a:ext cx="0" cy="0"/>
-          <a:chOff x="0" y="0"/>
-          <a:chExt cx="0" cy="0"/>
-        </a:xfrm>
-      </p:grpSpPr>
-      <p:sp>
-        <p:nvSpPr>
-          <p:cNvPr id="2" name="Title 1"/>
-          <p:cNvSpPr>
-            <a:spLocks noGrp="1"/>
-          </p:cNvSpPr>
-          <p:nvPr>
-            <p:ph type="title"/>
-          </p:nvPr>
-        </p:nvSpPr>
-        <p:spPr/>
-        <p:txBody>
-          <a:bodyPr/>
-          <a:lstStyle/>
-          <a:p>
-            <a:r>
-              <a:rPr lang="en-US" dirty="0" smtClean="0"/>
-              <a:t>Assignments</a:t>
-            </a:r>
-            <a:endParaRPr lang="en-US" dirty="0"/>
-          </a:p>
-        </p:txBody>
-      </p:sp>
-      <p:sp>
-        <p:nvSpPr>
-          <p:cNvPr id="3" name="Content Placeholder 2"/>
-          <p:cNvSpPr>
-            <a:spLocks noGrp="1"/>
-          </p:cNvSpPr>
-          <p:nvPr>
-            <p:ph idx="1"/>
-          </p:nvPr>
-        </p:nvSpPr>
-        <p:spPr/>
-        <p:txBody>
-          <a:bodyPr/>
-          <a:lstStyle/>
-          <a:p>
-            <a:endParaRPr lang="en-US" dirty="0" smtClean="0"/>
-          </a:p>
-          <a:p>
-            <a:endParaRPr lang="en-US" dirty="0" smtClean="0"/>
-          </a:p>
-          <a:p>
-            <a:r>
-              <a:rPr lang="en-US" dirty="0" smtClean="0"/>
-              <a:t>A</a:t>
-            </a:r>
-          </a:p>
-          <a:p>
-            <a:r>
-              <a:rPr lang="en-US" dirty="0" smtClean="0"/>
-              <a:t>1. Write a simple OBJ loader (or find an existing library, or modify my program) that loads in a mesh of your choice, making sure it fits on the screen. </a:t>
-            </a:r>
-          </a:p>
-          <a:p>
-            <a:r>
-              <a:rPr lang="en-US" dirty="0" smtClean="0"/>
-              <a:t>2. Store the mesh into appropriate data structures (</a:t>
-            </a:r>
-            <a:r>
-              <a:rPr lang="en-US" dirty="0" err="1" smtClean="0"/>
-              <a:t>ie</a:t>
-            </a:r>
-            <a:r>
-              <a:rPr lang="en-US" dirty="0" smtClean="0"/>
-              <a:t>, </a:t>
-            </a:r>
-            <a:r>
-              <a:rPr lang="en-US" dirty="0" err="1" smtClean="0"/>
-              <a:t>normals</a:t>
-            </a:r>
-            <a:r>
-              <a:rPr lang="en-US" dirty="0" smtClean="0"/>
-              <a:t>, </a:t>
-            </a:r>
-            <a:r>
-              <a:rPr lang="en-US" dirty="0" err="1" smtClean="0"/>
-              <a:t>tex-coords</a:t>
-            </a:r>
-            <a:r>
-              <a:rPr lang="en-US" dirty="0" smtClean="0"/>
-              <a:t>, and vertices) and display using vertex arrays. Use some form of lighting and texturing. </a:t>
-            </a:r>
-          </a:p>
-          <a:p>
-            <a:r>
-              <a:rPr lang="en-US" dirty="0" smtClean="0"/>
-              <a:t>3. Write a simple camera that lets you orbit around the y-axis of the mesh when you press down the left or right keys</a:t>
-            </a:r>
-          </a:p>
-          <a:p>
-            <a:endParaRPr lang="en-US" dirty="0" smtClean="0"/>
-          </a:p>
-          <a:p>
-            <a:r>
-              <a:rPr lang="en-US" dirty="0" smtClean="0"/>
-              <a:t>B</a:t>
-            </a:r>
-          </a:p>
-          <a:p>
-            <a:r>
-              <a:rPr lang="en-US" dirty="0" smtClean="0"/>
-              <a:t>Make this a height map... show how to load this in</a:t>
-            </a:r>
-          </a:p>
-          <a:p>
-            <a:r>
-              <a:rPr lang="en-US" dirty="0" smtClean="0"/>
-              <a:t>Write code that correctly textures your landscape (either as a quad strip or triangle strip) using one or more images. Image you are writing a game where you are a tank, and you have a "first-person" view of the landscape from atop your tank. Write a simple camera that lets you move forward and backward, and to turn left or right by a small amount when you press the left and right keys.</a:t>
-            </a:r>
-          </a:p>
-          <a:p>
-            <a:endParaRPr lang="en-US" dirty="0" smtClean="0"/>
-          </a:p>
-          <a:p>
-            <a:endParaRPr lang="en-US" dirty="0" smtClean="0"/>
-          </a:p>
-          <a:p>
-            <a:endParaRPr lang="en-US" dirty="0" smtClean="0"/>
-          </a:p>
-          <a:p>
-            <a:endParaRPr lang="en-US" dirty="0" smtClean="0"/>
-          </a:p>
-          <a:p>
-            <a:r>
-              <a:rPr lang="en-US" dirty="0" smtClean="0"/>
-              <a:t> </a:t>
-            </a:r>
-            <a:endParaRPr lang="en-US" dirty="0"/>
-          </a:p>
-        </p:txBody>
-      </p:sp>
-    </p:spTree>
-  </p:cSld>
-  <p:clrMapOvr>
-    <a:masterClrMapping/>
-  </p:clrMapOvr>
-</p:sld>
-</file>
-
-<file path=ppt/slides/slide15.xml><?xml version="1.0" encoding="utf-8"?>
-<p:sld xmlns:a="http://schemas.openxmlformats.org/drawingml/2006/main" xmlns:r="http://schemas.openxmlformats.org/officeDocument/2006/relationships" xmlns:mc="http://schemas.openxmlformats.org/markup-compatibility/2006" xmlns:mv="urn:schemas-microsoft-com:mac:vml" xmlns:p="http://schemas.openxmlformats.org/presentationml/2006/main" mc:Ignorable="mv" mc:PreserveAttributes="mv:*">
-  <p:cSld>
-    <p:spTree>
-      <p:nvGrpSpPr>
-        <p:cNvPr id="1" name=""/>
-        <p:cNvGrpSpPr/>
-        <p:nvPr/>
-      </p:nvGrpSpPr>
-      <p:grpSpPr>
-        <a:xfrm>
-          <a:off x="0" y="0"/>
-          <a:ext cx="0" cy="0"/>
-          <a:chOff x="0" y="0"/>
-          <a:chExt cx="0" cy="0"/>
-        </a:xfrm>
-      </p:grpSpPr>
-      <p:sp>
-        <p:nvSpPr>
-          <p:cNvPr id="2" name="Title 1"/>
-          <p:cNvSpPr>
-            <a:spLocks noGrp="1"/>
-          </p:cNvSpPr>
-          <p:nvPr>
-            <p:ph type="title"/>
-          </p:nvPr>
-        </p:nvSpPr>
-        <p:spPr/>
-        <p:txBody>
-          <a:bodyPr/>
-          <a:lstStyle/>
-          <a:p>
-            <a:endParaRPr lang="en-US"/>
-          </a:p>
-        </p:txBody>
-      </p:sp>
-      <p:sp>
-        <p:nvSpPr>
-          <p:cNvPr id="3" name="Content Placeholder 2"/>
-          <p:cNvSpPr>
-            <a:spLocks noGrp="1"/>
-          </p:cNvSpPr>
-          <p:nvPr>
-            <p:ph idx="1"/>
-          </p:nvPr>
-        </p:nvSpPr>
-        <p:spPr/>
-        <p:txBody>
-          <a:bodyPr/>
-          <a:lstStyle/>
-          <a:p>
-            <a:r>
-              <a:rPr lang="en-US" dirty="0" err="1" smtClean="0"/>
-              <a:t>ttd</a:t>
-            </a:r>
-            <a:r>
-              <a:rPr lang="en-US" dirty="0" smtClean="0"/>
-              <a:t>:</a:t>
-            </a:r>
-          </a:p>
-          <a:p>
-            <a:endParaRPr lang="en-US" dirty="0" smtClean="0"/>
-          </a:p>
-          <a:p>
-            <a:r>
-              <a:rPr lang="en-US" dirty="0" smtClean="0"/>
-              <a:t>header file,</a:t>
-            </a:r>
-          </a:p>
-          <a:p>
-            <a:r>
-              <a:rPr lang="en-US" dirty="0" smtClean="0"/>
-              <a:t>more demos, (load mesh) (vertex array) (</a:t>
-            </a:r>
-            <a:r>
-              <a:rPr lang="en-US" dirty="0" err="1" smtClean="0"/>
-              <a:t>gluquadrics</a:t>
-            </a:r>
-            <a:r>
-              <a:rPr lang="en-US" dirty="0" smtClean="0"/>
-              <a:t>)</a:t>
-            </a:r>
-          </a:p>
-          <a:p>
-            <a:endParaRPr lang="en-US" dirty="0" smtClean="0"/>
-          </a:p>
-          <a:p>
-            <a:r>
-              <a:rPr lang="en-US" dirty="0" smtClean="0"/>
-              <a:t>height map using SOIL</a:t>
-            </a:r>
-          </a:p>
-          <a:p>
-            <a:endParaRPr lang="en-US" dirty="0" smtClean="0"/>
-          </a:p>
-          <a:p>
-            <a:endParaRPr lang="en-US" dirty="0" smtClean="0"/>
-          </a:p>
-          <a:p>
-            <a:r>
-              <a:rPr lang="en-US" dirty="0" smtClean="0"/>
-              <a:t>later on... </a:t>
-            </a:r>
-            <a:r>
-              <a:rPr lang="en-US" smtClean="0"/>
-              <a:t>environment maps...</a:t>
-            </a:r>
-            <a:endParaRPr lang="en-US" dirty="0"/>
-          </a:p>
-        </p:txBody>
-      </p:sp>
-    </p:spTree>
-  </p:cSld>
-  <p:clrMapOvr>
-    <a:masterClrMapping/>
-  </p:clrMapOvr>
+  <p:timing>
+    <p:tnLst>
+      <p:par>
+        <p:cTn id="1" dur="indefinite" restart="never" nodeType="tmRoot"/>
+      </p:par>
+    </p:tnLst>
+  </p:timing>
 </p:sld>
 </file>
 
@@ -5389,11 +4394,7 @@
           <a:p>
             <a:r>
               <a:rPr lang="en-US" dirty="0" smtClean="0"/>
-              <a:t>5</a:t>
-            </a:r>
-            <a:r>
-              <a:rPr lang="en-US" dirty="0" smtClean="0"/>
-              <a:t>. bind TEXTURES</a:t>
+              <a:t>5. bind TEXTURES</a:t>
             </a:r>
           </a:p>
           <a:p>
@@ -5453,11 +4454,7 @@
           <a:p>
             <a:r>
               <a:rPr lang="en-US" dirty="0" smtClean="0"/>
-              <a:t>	</a:t>
-            </a:r>
-            <a:r>
-              <a:rPr lang="en-US" dirty="0" smtClean="0"/>
-              <a:t>glColor3f(r, </a:t>
+              <a:t>	glColor3f(r, </a:t>
             </a:r>
             <a:r>
               <a:rPr lang="en-US" dirty="0" err="1" smtClean="0"/>
@@ -5672,11 +4669,7 @@
           <a:p>
             <a:r>
               <a:rPr lang="en-US" dirty="0" smtClean="0"/>
-              <a:t>	</a:t>
-            </a:r>
-            <a:r>
-              <a:rPr lang="en-US" dirty="0" smtClean="0"/>
-              <a:t>4) pass in texture coordinates</a:t>
+              <a:t>	4) pass in texture coordinates</a:t>
             </a:r>
           </a:p>
           <a:p>
@@ -5943,19 +4936,7 @@
           <a:p>
             <a:r>
               <a:rPr lang="en-US" dirty="0" smtClean="0"/>
-              <a:t>/</a:t>
-            </a:r>
-            <a:r>
-              <a:rPr lang="en-US" dirty="0" smtClean="0"/>
-              <a:t>/</a:t>
-            </a:r>
-            <a:r>
-              <a:rPr lang="en-US" dirty="0" smtClean="0"/>
-              <a:t>create </a:t>
-            </a:r>
-            <a:r>
-              <a:rPr lang="en-US" dirty="0" smtClean="0"/>
-              <a:t>space for one texture, which can be referred to by the </a:t>
+              <a:t>//create space for one texture, which can be referred to by the </a:t>
             </a:r>
             <a:r>
               <a:rPr lang="en-US" dirty="0" err="1" smtClean="0"/>
@@ -5988,7 +4969,6 @@
               <a:rPr lang="en-US" b="1" dirty="0" smtClean="0"/>
               <a:t>;</a:t>
             </a:r>
-            <a:endParaRPr lang="en-US" b="1" dirty="0" smtClean="0"/>
           </a:p>
           <a:p>
             <a:r>
@@ -6045,19 +5025,7 @@
           <a:p>
             <a:r>
               <a:rPr lang="en-US" b="1" dirty="0" smtClean="0"/>
-              <a:t>glTexParameteri(GL_TEXTURE_2D, </a:t>
-            </a:r>
-            <a:r>
-              <a:rPr lang="en-US" b="1" dirty="0" smtClean="0"/>
-              <a:t>GL_TEXTURE_WRAP_T, </a:t>
-            </a:r>
-            <a:r>
-              <a:rPr lang="en-US" b="1" dirty="0" smtClean="0"/>
-              <a:t>GL_REPEAT)</a:t>
-            </a:r>
-            <a:r>
-              <a:rPr lang="en-US" b="1" dirty="0" smtClean="0"/>
-              <a:t>;</a:t>
+              <a:t>glTexParameteri(GL_TEXTURE_2D, GL_TEXTURE_WRAP_T, GL_REPEAT);</a:t>
             </a:r>
           </a:p>
           <a:p>
@@ -6083,19 +5051,7 @@
           <a:p>
             <a:r>
               <a:rPr lang="en-US" b="1" dirty="0" smtClean="0"/>
-              <a:t>glTexParameteri(GL_TEXTURE_2D, </a:t>
-            </a:r>
-            <a:r>
-              <a:rPr lang="en-US" b="1" dirty="0" smtClean="0"/>
-              <a:t>GL_TEXTURE_MAX_FILTER</a:t>
-            </a:r>
-            <a:r>
-              <a:rPr lang="en-US" b="1" dirty="0" smtClean="0"/>
-              <a:t>, </a:t>
-            </a:r>
-            <a:r>
-              <a:rPr lang="en-US" b="1" dirty="0" smtClean="0"/>
-              <a:t>GL_LINEAR);</a:t>
+              <a:t>glTexParameteri(GL_TEXTURE_2D, GL_TEXTURE_MAX_FILTER, GL_LINEAR);</a:t>
             </a:r>
           </a:p>
           <a:p>
@@ -6248,19 +5204,11 @@
           <a:p>
             <a:r>
               <a:rPr lang="en-US" dirty="0" smtClean="0"/>
-              <a:t>	http</a:t>
-            </a:r>
-            <a:r>
-              <a:rPr lang="en-US" dirty="0" smtClean="0"/>
-              <a:t>://</a:t>
+              <a:t>	http://</a:t>
             </a:r>
             <a:r>
               <a:rPr lang="en-US" dirty="0" err="1" smtClean="0"/>
-              <a:t>www.lonesock.net/</a:t>
-            </a:r>
-            <a:r>
-              <a:rPr lang="en-US" dirty="0" err="1" smtClean="0"/>
-              <a:t>soil.html</a:t>
+              <a:t>www.lonesock.net/soil.html</a:t>
             </a:r>
             <a:endParaRPr lang="en-US" dirty="0" smtClean="0"/>
           </a:p>
@@ -6282,11 +5230,7 @@
             </a:r>
             <a:r>
               <a:rPr lang="en-US" dirty="0" err="1" smtClean="0"/>
-              <a:t>wherever_you_put_the_soil_directory/projects</a:t>
-            </a:r>
-            <a:r>
-              <a:rPr lang="en-US" dirty="0" err="1" smtClean="0"/>
-              <a:t>/makefile</a:t>
+              <a:t>wherever_you_put_the_soil_directory/projects/makefile</a:t>
             </a:r>
             <a:r>
               <a:rPr lang="en-US" dirty="0" smtClean="0"/>
@@ -6321,11 +5265,7 @@
           <a:p>
             <a:r>
               <a:rPr lang="en-US" dirty="0" smtClean="0"/>
-              <a:t>open </a:t>
-            </a:r>
-            <a:r>
-              <a:rPr lang="en-US" dirty="0" smtClean="0"/>
-              <a:t>up the </a:t>
+              <a:t>open up the </a:t>
             </a:r>
             <a:r>
               <a:rPr lang="en-US" dirty="0" err="1" smtClean="0"/>
@@ -6333,19 +5273,7 @@
             </a:r>
             <a:r>
               <a:rPr lang="en-US" dirty="0" smtClean="0"/>
-              <a:t> and replace the line starting with "</a:t>
-            </a:r>
-            <a:r>
-              <a:rPr lang="en-US" dirty="0" smtClean="0"/>
-              <a:t>CXXFLAGS" </a:t>
-            </a:r>
-            <a:r>
-              <a:rPr lang="en-US" dirty="0" smtClean="0"/>
-              <a:t>so that it indicates the 64 bit </a:t>
-            </a:r>
-            <a:r>
-              <a:rPr lang="en-US" dirty="0" smtClean="0"/>
-              <a:t>architecture:</a:t>
+              <a:t> and replace the line starting with "CXXFLAGS" so that it indicates the 64 bit architecture:</a:t>
             </a:r>
           </a:p>
           <a:p>
@@ -6354,11 +5282,7 @@
           <a:p>
             <a:r>
               <a:rPr lang="en-US" dirty="0" smtClean="0"/>
-              <a:t>CXXFLAGS </a:t>
-            </a:r>
-            <a:r>
-              <a:rPr lang="en-US" dirty="0" smtClean="0"/>
-              <a:t>= -arch i386 -arch x86_64 -O2 -</a:t>
+              <a:t>CXXFLAGS = -arch i386 -arch x86_64 -O2 -</a:t>
             </a:r>
             <a:r>
               <a:rPr lang="en-US" dirty="0" err="1" smtClean="0"/>
@@ -6366,11 +5290,7 @@
             </a:r>
             <a:r>
               <a:rPr lang="en-US" dirty="0" smtClean="0"/>
-              <a:t> -</a:t>
-            </a:r>
-            <a:r>
-              <a:rPr lang="en-US" dirty="0" smtClean="0"/>
-              <a:t>Wall</a:t>
+              <a:t> -Wall</a:t>
             </a:r>
           </a:p>
           <a:p>
@@ -6393,15 +5313,7 @@
             </a:r>
             <a:r>
               <a:rPr lang="en-US" dirty="0" smtClean="0"/>
-              <a:t> </a:t>
-            </a:r>
-            <a:r>
-              <a:rPr lang="en-US" dirty="0" smtClean="0"/>
-              <a:t>make </a:t>
-            </a:r>
-            <a:r>
-              <a:rPr lang="en-US" dirty="0" smtClean="0"/>
-              <a:t>install</a:t>
+              <a:t> make install</a:t>
             </a:r>
           </a:p>
           <a:p>
@@ -6410,11 +5322,7 @@
           <a:p>
             <a:r>
               <a:rPr lang="en-US" dirty="0" smtClean="0"/>
-              <a:t>Now </a:t>
-            </a:r>
-            <a:r>
-              <a:rPr lang="en-US" dirty="0" smtClean="0"/>
-              <a:t>you can use the SOIL library for </a:t>
+              <a:t>Now you can use the SOIL library for </a:t>
             </a:r>
             <a:r>
               <a:rPr lang="en-US" dirty="0" err="1" smtClean="0"/>
@@ -6422,11 +5330,7 @@
             </a:r>
             <a:r>
               <a:rPr lang="en-US" dirty="0" smtClean="0"/>
-              <a:t> like so</a:t>
-            </a:r>
-            <a:r>
-              <a:rPr lang="en-US" dirty="0" smtClean="0"/>
-              <a:t>:</a:t>
+              <a:t> like so:</a:t>
             </a:r>
           </a:p>
           <a:p>
@@ -6443,11 +5347,7 @@
             </a:r>
             <a:r>
               <a:rPr lang="en-US" dirty="0" smtClean="0"/>
-              <a:t> </a:t>
-            </a:r>
-            <a:r>
-              <a:rPr lang="en-US" dirty="0" smtClean="0"/>
-              <a:t>-</a:t>
+              <a:t> -</a:t>
             </a:r>
             <a:r>
               <a:rPr lang="en-US" dirty="0" err="1" smtClean="0"/>
@@ -6473,7 +5373,6 @@
               <a:rPr lang="en-US" dirty="0" smtClean="0"/>
               <a:t> main ; ./main</a:t>
             </a:r>
-            <a:endParaRPr lang="en-US" dirty="0" smtClean="0"/>
           </a:p>
           <a:p>
             <a:endParaRPr lang="en-US" dirty="0" smtClean="0"/>
@@ -6488,6 +5387,13 @@
   <p:clrMapOvr>
     <a:masterClrMapping/>
   </p:clrMapOvr>
+  <p:timing>
+    <p:tnLst>
+      <p:par>
+        <p:cTn id="1" dur="indefinite" restart="never" nodeType="tmRoot"/>
+      </p:par>
+    </p:tnLst>
+  </p:timing>
 </p:sld>
 </file>
 
@@ -6590,13 +5496,8 @@
             </a:r>
             <a:r>
               <a:rPr lang="en-US" b="1" dirty="0" smtClean="0"/>
-              <a:t>() </a:t>
-            </a:r>
-            <a:r>
-              <a:rPr lang="en-US" b="1" dirty="0" smtClean="0"/>
-              <a:t>{ </a:t>
-            </a:r>
-            <a:endParaRPr lang="en-US" b="1" dirty="0" smtClean="0"/>
+              <a:t>() { </a:t>
+            </a:r>
           </a:p>
           <a:p>
             <a:r>
@@ -6609,11 +5510,7 @@
             </a:r>
             <a:r>
               <a:rPr lang="en-US" b="1" dirty="0" smtClean="0"/>
-              <a:t> </a:t>
-            </a:r>
-            <a:r>
-              <a:rPr lang="en-US" b="1" dirty="0" smtClean="0"/>
-              <a:t>= </a:t>
+              <a:t> = </a:t>
             </a:r>
             <a:r>
               <a:rPr lang="en-US" b="1" dirty="0" err="1" smtClean="0"/>
@@ -6621,22 +5518,13 @@
             </a:r>
             <a:r>
               <a:rPr lang="en-US" b="1" dirty="0" smtClean="0"/>
-              <a:t> </a:t>
-            </a:r>
+              <a:t> (</a:t>
+            </a:r>
+          </a:p>
+          <a:p>
             <a:r>
               <a:rPr lang="en-US" b="1" dirty="0" smtClean="0"/>
-              <a:t>(</a:t>
-            </a:r>
-            <a:endParaRPr lang="en-US" b="1" dirty="0" smtClean="0"/>
-          </a:p>
-          <a:p>
-            <a:r>
-              <a:rPr lang="en-US" b="1" dirty="0" smtClean="0"/>
-              <a:t>     </a:t>
-            </a:r>
-            <a:r>
-              <a:rPr lang="en-US" b="1" dirty="0" smtClean="0"/>
-              <a:t>"</a:t>
+              <a:t>     "</a:t>
             </a:r>
             <a:r>
               <a:rPr lang="en-US" b="1" dirty="0" err="1" smtClean="0"/>
@@ -6662,11 +5550,7 @@
           <a:p>
             <a:r>
               <a:rPr lang="en-US" b="1" dirty="0" smtClean="0"/>
-              <a:t>     SOIL_FLAG_MIPMAPS | </a:t>
-            </a:r>
-            <a:r>
-              <a:rPr lang="en-US" b="1" dirty="0" smtClean="0"/>
-              <a:t>SOIL_FLAG_INVERT_Y</a:t>
+              <a:t>     SOIL_FLAG_MIPMAPS | SOIL_FLAG_INVERT_Y</a:t>
             </a:r>
           </a:p>
           <a:p>
@@ -6699,17 +5583,8 @@
             </a:r>
             <a:r>
               <a:rPr lang="en-US" b="1" dirty="0" smtClean="0"/>
-              <a:t> )</a:t>
-            </a:r>
-            <a:r>
-              <a:rPr lang="en-US" b="1" dirty="0" smtClean="0"/>
-              <a:t> </a:t>
-            </a:r>
-            <a:r>
-              <a:rPr lang="en-US" b="1" dirty="0" smtClean="0"/>
-              <a:t>{</a:t>
-            </a:r>
-            <a:endParaRPr lang="en-US" b="1" dirty="0" smtClean="0"/>
+              <a:t> ) {</a:t>
+            </a:r>
           </a:p>
           <a:p>
             <a:r>
@@ -6763,6 +5638,13 @@
   <p:clrMapOvr>
     <a:masterClrMapping/>
   </p:clrMapOvr>
+  <p:timing>
+    <p:tnLst>
+      <p:par>
+        <p:cTn id="1" dur="indefinite" restart="never" nodeType="tmRoot"/>
+      </p:par>
+    </p:tnLst>
+  </p:timing>
 </p:sld>
 </file>
 
@@ -6849,7 +5731,6 @@
               <a:rPr lang="en-US" dirty="0" smtClean="0"/>
               <a:t>//bind the (empty) texture to the GL context</a:t>
             </a:r>
-            <a:endParaRPr lang="en-US" dirty="0" smtClean="0"/>
           </a:p>
           <a:p>
             <a:r>
@@ -6899,97 +5780,38 @@
           <a:p>
             <a:r>
               <a:rPr lang="en-US" b="1" dirty="0" smtClean="0"/>
-              <a:t>glTexCoord2f</a:t>
-            </a:r>
+              <a:t>glTexCoord2f(1.0, 0.0);</a:t>
+            </a:r>
+          </a:p>
+          <a:p>
             <a:r>
               <a:rPr lang="en-US" b="1" dirty="0" smtClean="0"/>
-              <a:t>(1.0, 0.0)</a:t>
-            </a:r>
+              <a:t>glVertex3f(1.0, -1.0, 0.0);</a:t>
+            </a:r>
+          </a:p>
+          <a:p>
             <a:r>
               <a:rPr lang="en-US" b="1" dirty="0" smtClean="0"/>
-              <a:t>;</a:t>
+              <a:t>glTexCoord2f(1.0, 1.0);</a:t>
             </a:r>
           </a:p>
           <a:p>
             <a:r>
               <a:rPr lang="en-US" b="1" dirty="0" smtClean="0"/>
-              <a:t>glVertex3f</a:t>
-            </a:r>
+              <a:t>glVertex3f(1.0, 1.0, 0.0);</a:t>
+            </a:r>
+          </a:p>
+          <a:p>
             <a:r>
               <a:rPr lang="en-US" b="1" dirty="0" smtClean="0"/>
-              <a:t>(1.0, </a:t>
-            </a:r>
+              <a:t>glTexCoord2f(0.0, 1.0);</a:t>
+            </a:r>
+          </a:p>
+          <a:p>
             <a:r>
               <a:rPr lang="en-US" b="1" dirty="0" smtClean="0"/>
-              <a:t>-</a:t>
-            </a:r>
-            <a:r>
-              <a:rPr lang="en-US" b="1" dirty="0" smtClean="0"/>
-              <a:t>1.0, 0.0)</a:t>
-            </a:r>
-            <a:r>
-              <a:rPr lang="en-US" b="1" dirty="0" smtClean="0"/>
-              <a:t>;</a:t>
-            </a:r>
-            <a:endParaRPr lang="en-US" b="1" dirty="0" smtClean="0"/>
-          </a:p>
-          <a:p>
-            <a:r>
-              <a:rPr lang="en-US" b="1" dirty="0" smtClean="0"/>
-              <a:t>glTexCoord2f</a:t>
-            </a:r>
-            <a:r>
-              <a:rPr lang="en-US" b="1" dirty="0" smtClean="0"/>
-              <a:t>(1.0, 1.0)</a:t>
-            </a:r>
-            <a:r>
-              <a:rPr lang="en-US" b="1" dirty="0" smtClean="0"/>
-              <a:t>;</a:t>
-            </a:r>
-          </a:p>
-          <a:p>
-            <a:r>
-              <a:rPr lang="en-US" b="1" dirty="0" smtClean="0"/>
-              <a:t>glVertex3f</a:t>
-            </a:r>
-            <a:r>
-              <a:rPr lang="en-US" b="1" dirty="0" smtClean="0"/>
-              <a:t>(1.0, 1.0, 0.0)</a:t>
-            </a:r>
-            <a:r>
-              <a:rPr lang="en-US" b="1" dirty="0" smtClean="0"/>
-              <a:t>;</a:t>
-            </a:r>
-            <a:endParaRPr lang="en-US" b="1" dirty="0" smtClean="0"/>
-          </a:p>
-          <a:p>
-            <a:r>
-              <a:rPr lang="en-US" b="1" dirty="0" smtClean="0"/>
-              <a:t>glTexCoord2f(</a:t>
-            </a:r>
-            <a:r>
-              <a:rPr lang="en-US" b="1" dirty="0" smtClean="0"/>
-              <a:t>0.0, 1.0)</a:t>
-            </a:r>
-            <a:r>
-              <a:rPr lang="en-US" b="1" dirty="0" smtClean="0"/>
-              <a:t>;</a:t>
-            </a:r>
-          </a:p>
-          <a:p>
-            <a:r>
-              <a:rPr lang="en-US" b="1" dirty="0" smtClean="0"/>
-              <a:t>glVertex3f(-</a:t>
-            </a:r>
-            <a:r>
-              <a:rPr lang="en-US" b="1" dirty="0" smtClean="0"/>
-              <a:t>1.0, 1.0, 0.0)</a:t>
-            </a:r>
-            <a:r>
-              <a:rPr lang="en-US" b="1" dirty="0" smtClean="0"/>
-              <a:t>;</a:t>
-            </a:r>
-            <a:endParaRPr lang="en-US" b="1" dirty="0" smtClean="0"/>
+              <a:t>glVertex3f(-1.0, 1.0, 0.0);</a:t>
+            </a:r>
           </a:p>
           <a:p>
             <a:r>
@@ -7029,6 +5851,13 @@
   <p:clrMapOvr>
     <a:masterClrMapping/>
   </p:clrMapOvr>
+  <p:timing>
+    <p:tnLst>
+      <p:par>
+        <p:cTn id="1" dur="indefinite" restart="never" nodeType="tmRoot"/>
+      </p:par>
+    </p:tnLst>
+  </p:timing>
 </p:sld>
 </file>
 
@@ -7161,6 +5990,13 @@
   <p:clrMapOvr>
     <a:masterClrMapping/>
   </p:clrMapOvr>
+  <p:timing>
+    <p:tnLst>
+      <p:par>
+        <p:cTn id="1" dur="indefinite" restart="never" nodeType="tmRoot"/>
+      </p:par>
+    </p:tnLst>
+  </p:timing>
 </p:sld>
 </file>
 
